--- a/Summary/20211208_microbiome_demographic_slides.pptx
+++ b/Summary/20211208_microbiome_demographic_slides.pptx
@@ -159,7 +159,7 @@
   <pc:docChgLst>
     <pc:chgData name="Jonathan Mah" userId="5261b2f2f3e51194" providerId="LiveId" clId="{55B1CDD5-9F2E-4651-9018-76CF2BDBE1DC}"/>
     <pc:docChg chg="undo custSel addSld delSld modSld sldOrd modSection">
-      <pc:chgData name="Jonathan Mah" userId="5261b2f2f3e51194" providerId="LiveId" clId="{55B1CDD5-9F2E-4651-9018-76CF2BDBE1DC}" dt="2021-12-09T02:18:32.552" v="1203" actId="6549"/>
+      <pc:chgData name="Jonathan Mah" userId="5261b2f2f3e51194" providerId="LiveId" clId="{55B1CDD5-9F2E-4651-9018-76CF2BDBE1DC}" dt="2021-12-09T02:23:14.389" v="1367" actId="20577"/>
       <pc:docMkLst>
         <pc:docMk/>
       </pc:docMkLst>
@@ -203,13 +203,13 @@
         </pc:picChg>
       </pc:sldChg>
       <pc:sldChg chg="modSp mod">
-        <pc:chgData name="Jonathan Mah" userId="5261b2f2f3e51194" providerId="LiveId" clId="{55B1CDD5-9F2E-4651-9018-76CF2BDBE1DC}" dt="2021-12-09T01:23:23.181" v="88" actId="20577"/>
+        <pc:chgData name="Jonathan Mah" userId="5261b2f2f3e51194" providerId="LiveId" clId="{55B1CDD5-9F2E-4651-9018-76CF2BDBE1DC}" dt="2021-12-09T02:23:14.389" v="1367" actId="20577"/>
         <pc:sldMkLst>
           <pc:docMk/>
           <pc:sldMk cId="3052070722" sldId="342"/>
         </pc:sldMkLst>
         <pc:spChg chg="mod">
-          <ac:chgData name="Jonathan Mah" userId="5261b2f2f3e51194" providerId="LiveId" clId="{55B1CDD5-9F2E-4651-9018-76CF2BDBE1DC}" dt="2021-12-09T01:23:23.181" v="88" actId="20577"/>
+          <ac:chgData name="Jonathan Mah" userId="5261b2f2f3e51194" providerId="LiveId" clId="{55B1CDD5-9F2E-4651-9018-76CF2BDBE1DC}" dt="2021-12-09T02:23:14.389" v="1367" actId="20577"/>
           <ac:spMkLst>
             <pc:docMk/>
             <pc:sldMk cId="3052070722" sldId="342"/>
@@ -5056,6 +5056,54 @@
               <a:rPr lang="en-US" dirty="0"/>
               <a:t>Strike vote called off! (UC recognized the grad student union)</a:t>
             </a:r>
+          </a:p>
+          <a:p>
+            <a:r>
+              <a:rPr lang="en-US" dirty="0"/>
+              <a:t>Lit search</a:t>
+            </a:r>
+          </a:p>
+          <a:p>
+            <a:r>
+              <a:rPr lang="en-US" dirty="0"/>
+              <a:t>Across pi + significance bars</a:t>
+            </a:r>
+          </a:p>
+          <a:p>
+            <a:r>
+              <a:rPr lang="en-US" dirty="0"/>
+              <a:t>MIDAS </a:t>
+            </a:r>
+            <a:r>
+              <a:rPr lang="en-US" dirty="0" err="1"/>
+              <a:t>wip</a:t>
+            </a:r>
+            <a:r>
+              <a:rPr lang="en-US" dirty="0"/>
+              <a:t> (will check in tomorrow or </a:t>
+            </a:r>
+            <a:r>
+              <a:rPr lang="en-US"/>
+              <a:t>later tonight)</a:t>
+            </a:r>
+            <a:endParaRPr lang="en-US" dirty="0"/>
+          </a:p>
+          <a:p>
+            <a:r>
+              <a:rPr lang="en-US" dirty="0"/>
+              <a:t>Write-up </a:t>
+            </a:r>
+            <a:r>
+              <a:rPr lang="en-US" dirty="0" err="1"/>
+              <a:t>wip</a:t>
+            </a:r>
+            <a:r>
+              <a:rPr lang="en-US" dirty="0"/>
+              <a:t> (will have fleshed out tomorrow)</a:t>
+            </a:r>
+          </a:p>
+          <a:p>
+            <a:endParaRPr lang="en-US" dirty="0"/>
           </a:p>
         </p:txBody>
       </p:sp>

--- a/Summary/20211208_microbiome_demographic_slides.pptx
+++ b/Summary/20211208_microbiome_demographic_slides.pptx
@@ -18,8 +18,8 @@
     <p:sldId id="339" r:id="rId9"/>
     <p:sldId id="345" r:id="rId10"/>
     <p:sldId id="346" r:id="rId11"/>
-    <p:sldId id="278" r:id="rId12"/>
-    <p:sldId id="344" r:id="rId13"/>
+    <p:sldId id="351" r:id="rId12"/>
+    <p:sldId id="278" r:id="rId13"/>
   </p:sldIdLst>
   <p:sldSz cx="12192000" cy="6858000"/>
   <p:notesSz cx="6858000" cy="9144000"/>
@@ -133,8 +133,8 @@
             <p14:sldId id="339"/>
             <p14:sldId id="345"/>
             <p14:sldId id="346"/>
+            <p14:sldId id="351"/>
             <p14:sldId id="278"/>
-            <p14:sldId id="344"/>
           </p14:sldIdLst>
         </p14:section>
       </p14:sectionLst>
@@ -149,7 +149,7 @@
 <file path=ppt/revisionInfo.xml><?xml version="1.0" encoding="utf-8"?>
 <p1510:revInfo xmlns:a="http://schemas.openxmlformats.org/drawingml/2006/main" xmlns:r="http://schemas.openxmlformats.org/officeDocument/2006/relationships" xmlns:p1510="http://schemas.microsoft.com/office/powerpoint/2015/10/main">
   <p1510:revLst>
-    <p1510:client id="{55B1CDD5-9F2E-4651-9018-76CF2BDBE1DC}" v="40" dt="2021-12-09T02:17:33.888"/>
+    <p1510:client id="{55B1CDD5-9F2E-4651-9018-76CF2BDBE1DC}" v="41" dt="2021-12-09T02:26:31.808"/>
   </p1510:revLst>
 </p1510:revInfo>
 </file>
@@ -159,7 +159,7 @@
   <pc:docChgLst>
     <pc:chgData name="Jonathan Mah" userId="5261b2f2f3e51194" providerId="LiveId" clId="{55B1CDD5-9F2E-4651-9018-76CF2BDBE1DC}"/>
     <pc:docChg chg="undo custSel addSld delSld modSld sldOrd modSection">
-      <pc:chgData name="Jonathan Mah" userId="5261b2f2f3e51194" providerId="LiveId" clId="{55B1CDD5-9F2E-4651-9018-76CF2BDBE1DC}" dt="2021-12-09T02:23:14.389" v="1367" actId="20577"/>
+      <pc:chgData name="Jonathan Mah" userId="5261b2f2f3e51194" providerId="LiveId" clId="{55B1CDD5-9F2E-4651-9018-76CF2BDBE1DC}" dt="2021-12-09T02:29:42.406" v="2302" actId="20577"/>
       <pc:docMkLst>
         <pc:docMk/>
       </pc:docMkLst>
@@ -256,8 +256,8 @@
           </ac:picMkLst>
         </pc:picChg>
       </pc:sldChg>
-      <pc:sldChg chg="modSp mod">
-        <pc:chgData name="Jonathan Mah" userId="5261b2f2f3e51194" providerId="LiveId" clId="{55B1CDD5-9F2E-4651-9018-76CF2BDBE1DC}" dt="2021-12-09T02:18:32.552" v="1203" actId="6549"/>
+      <pc:sldChg chg="modSp del mod">
+        <pc:chgData name="Jonathan Mah" userId="5261b2f2f3e51194" providerId="LiveId" clId="{55B1CDD5-9F2E-4651-9018-76CF2BDBE1DC}" dt="2021-12-09T02:26:41.416" v="1373" actId="47"/>
         <pc:sldMkLst>
           <pc:docMk/>
           <pc:sldMk cId="897933235" sldId="344"/>
@@ -519,6 +519,44 @@
           </ac:spMkLst>
         </pc:spChg>
       </pc:sldChg>
+      <pc:sldChg chg="modSp new mod">
+        <pc:chgData name="Jonathan Mah" userId="5261b2f2f3e51194" providerId="LiveId" clId="{55B1CDD5-9F2E-4651-9018-76CF2BDBE1DC}" dt="2021-12-09T02:29:42.406" v="2302" actId="20577"/>
+        <pc:sldMkLst>
+          <pc:docMk/>
+          <pc:sldMk cId="2267286231" sldId="351"/>
+        </pc:sldMkLst>
+        <pc:spChg chg="mod">
+          <ac:chgData name="Jonathan Mah" userId="5261b2f2f3e51194" providerId="LiveId" clId="{55B1CDD5-9F2E-4651-9018-76CF2BDBE1DC}" dt="2021-12-09T02:26:56.384" v="1399" actId="20577"/>
+          <ac:spMkLst>
+            <pc:docMk/>
+            <pc:sldMk cId="2267286231" sldId="351"/>
+            <ac:spMk id="2" creationId="{F8D19FA0-849A-495A-B374-D330821CC5C6}"/>
+          </ac:spMkLst>
+        </pc:spChg>
+        <pc:spChg chg="mod">
+          <ac:chgData name="Jonathan Mah" userId="5261b2f2f3e51194" providerId="LiveId" clId="{55B1CDD5-9F2E-4651-9018-76CF2BDBE1DC}" dt="2021-12-09T02:29:42.406" v="2302" actId="20577"/>
+          <ac:spMkLst>
+            <pc:docMk/>
+            <pc:sldMk cId="2267286231" sldId="351"/>
+            <ac:spMk id="3" creationId="{7D736833-E273-4F38-8F7D-70AC81AF4F85}"/>
+          </ac:spMkLst>
+        </pc:spChg>
+      </pc:sldChg>
+      <pc:sldChg chg="modSp add del mod">
+        <pc:chgData name="Jonathan Mah" userId="5261b2f2f3e51194" providerId="LiveId" clId="{55B1CDD5-9F2E-4651-9018-76CF2BDBE1DC}" dt="2021-12-09T02:26:36.436" v="1372" actId="47"/>
+        <pc:sldMkLst>
+          <pc:docMk/>
+          <pc:sldMk cId="2954919910" sldId="351"/>
+        </pc:sldMkLst>
+        <pc:spChg chg="mod">
+          <ac:chgData name="Jonathan Mah" userId="5261b2f2f3e51194" providerId="LiveId" clId="{55B1CDD5-9F2E-4651-9018-76CF2BDBE1DC}" dt="2021-12-09T02:26:35.095" v="1371" actId="20577"/>
+          <ac:spMkLst>
+            <pc:docMk/>
+            <pc:sldMk cId="2954919910" sldId="351"/>
+            <ac:spMk id="2" creationId="{A721CCB0-C87B-4A37-A2CD-599CFD03D51A}"/>
+          </ac:spMkLst>
+        </pc:spChg>
+      </pc:sldChg>
     </pc:docChg>
   </pc:docChgLst>
 </pc:chgInfo>
@@ -1112,7 +1150,7 @@
           <a:p>
             <a:fld id="{9D984E8B-8157-4976-ABDF-6DA2CAC3440F}" type="slidenum">
               <a:rPr lang="en-US" smtClean="0"/>
-              <a:t>11</a:t>
+              <a:t>12</a:t>
             </a:fld>
             <a:endParaRPr lang="en-US"/>
           </a:p>
@@ -1122,90 +1160,6 @@
     <p:extLst>
       <p:ext uri="{BB962C8B-B14F-4D97-AF65-F5344CB8AC3E}">
         <p14:creationId xmlns:p14="http://schemas.microsoft.com/office/powerpoint/2010/main" val="1799097093"/>
-      </p:ext>
-    </p:extLst>
-  </p:cSld>
-  <p:clrMapOvr>
-    <a:masterClrMapping/>
-  </p:clrMapOvr>
-</p:notes>
-</file>
-
-<file path=ppt/notesSlides/notesSlide4.xml><?xml version="1.0" encoding="utf-8"?>
-<p:notes xmlns:a="http://schemas.openxmlformats.org/drawingml/2006/main" xmlns:r="http://schemas.openxmlformats.org/officeDocument/2006/relationships" xmlns:p="http://schemas.openxmlformats.org/presentationml/2006/main">
-  <p:cSld>
-    <p:spTree>
-      <p:nvGrpSpPr>
-        <p:cNvPr id="1" name=""/>
-        <p:cNvGrpSpPr/>
-        <p:nvPr/>
-      </p:nvGrpSpPr>
-      <p:grpSpPr>
-        <a:xfrm>
-          <a:off x="0" y="0"/>
-          <a:ext cx="0" cy="0"/>
-          <a:chOff x="0" y="0"/>
-          <a:chExt cx="0" cy="0"/>
-        </a:xfrm>
-      </p:grpSpPr>
-      <p:sp>
-        <p:nvSpPr>
-          <p:cNvPr id="2" name="Slide Image Placeholder 1"/>
-          <p:cNvSpPr>
-            <a:spLocks noGrp="1" noRot="1" noChangeAspect="1"/>
-          </p:cNvSpPr>
-          <p:nvPr>
-            <p:ph type="sldImg"/>
-          </p:nvPr>
-        </p:nvSpPr>
-        <p:spPr/>
-      </p:sp>
-      <p:sp>
-        <p:nvSpPr>
-          <p:cNvPr id="3" name="Notes Placeholder 2"/>
-          <p:cNvSpPr>
-            <a:spLocks noGrp="1"/>
-          </p:cNvSpPr>
-          <p:nvPr>
-            <p:ph type="body" idx="1"/>
-          </p:nvPr>
-        </p:nvSpPr>
-        <p:spPr/>
-        <p:txBody>
-          <a:bodyPr/>
-          <a:lstStyle/>
-          <a:p>
-            <a:endParaRPr lang="en-US" dirty="0"/>
-          </a:p>
-        </p:txBody>
-      </p:sp>
-      <p:sp>
-        <p:nvSpPr>
-          <p:cNvPr id="4" name="Slide Number Placeholder 3"/>
-          <p:cNvSpPr>
-            <a:spLocks noGrp="1"/>
-          </p:cNvSpPr>
-          <p:nvPr>
-            <p:ph type="sldNum" sz="quarter" idx="5"/>
-          </p:nvPr>
-        </p:nvSpPr>
-        <p:spPr/>
-        <p:txBody>
-          <a:bodyPr/>
-          <a:lstStyle/>
-          <a:p>
-            <a:fld id="{9D984E8B-8157-4976-ABDF-6DA2CAC3440F}" type="slidenum">
-              <a:rPr lang="en-US" smtClean="0"/>
-              <a:t>12</a:t>
-            </a:fld>
-            <a:endParaRPr lang="en-US"/>
-          </a:p>
-        </p:txBody>
-      </p:sp>
-    </p:spTree>
-    <p:extLst>
-      <p:ext uri="{BB962C8B-B14F-4D97-AF65-F5344CB8AC3E}">
-        <p14:creationId xmlns:p14="http://schemas.microsoft.com/office/powerpoint/2010/main" val="1222102959"/>
       </p:ext>
     </p:extLst>
   </p:cSld>
@@ -4711,7 +4665,7 @@
           <p:cNvPr id="2" name="Title 1">
             <a:extLst>
               <a:ext uri="{FF2B5EF4-FFF2-40B4-BE49-F238E27FC236}">
-                <a16:creationId xmlns:a16="http://schemas.microsoft.com/office/drawing/2014/main" id="{1DA4FD9C-0575-4672-BDCF-805449EFAC7C}"/>
+                <a16:creationId xmlns:a16="http://schemas.microsoft.com/office/drawing/2014/main" id="{F8D19FA0-849A-495A-B374-D330821CC5C6}"/>
               </a:ext>
             </a:extLst>
           </p:cNvPr>
@@ -4729,7 +4683,7 @@
           <a:p>
             <a:r>
               <a:rPr lang="en-US" dirty="0"/>
-              <a:t>//TODO</a:t>
+              <a:t>Pi comparison thoughts	</a:t>
             </a:r>
           </a:p>
         </p:txBody>
@@ -4739,7 +4693,7 @@
           <p:cNvPr id="3" name="Content Placeholder 2">
             <a:extLst>
               <a:ext uri="{FF2B5EF4-FFF2-40B4-BE49-F238E27FC236}">
-                <a16:creationId xmlns:a16="http://schemas.microsoft.com/office/drawing/2014/main" id="{B7017510-3A51-4778-BB7F-0F91AE0D6F96}"/>
+                <a16:creationId xmlns:a16="http://schemas.microsoft.com/office/drawing/2014/main" id="{7D736833-E273-4F38-8F7D-70AC81AF4F85}"/>
               </a:ext>
             </a:extLst>
           </p:cNvPr>
@@ -4758,113 +4712,78 @@
           <a:lstStyle/>
           <a:p>
             <a:r>
-              <a:rPr lang="en-US" dirty="0">
-                <a:latin typeface="Yu Gothic" panose="020B0400000000000000" pitchFamily="34" charset="-128"/>
-                <a:ea typeface="Yu Gothic" panose="020B0400000000000000" pitchFamily="34" charset="-128"/>
-                <a:sym typeface="Wingdings" panose="05000000000000000000" pitchFamily="2" charset="2"/>
-              </a:rPr>
-              <a:t>Midas  demographic inference, </a:t>
-            </a:r>
-            <a:r>
-              <a:rPr lang="en-US" dirty="0" err="1">
-                <a:latin typeface="Yu Gothic" panose="020B0400000000000000" pitchFamily="34" charset="-128"/>
-                <a:ea typeface="Yu Gothic" panose="020B0400000000000000" pitchFamily="34" charset="-128"/>
-                <a:sym typeface="Wingdings" panose="05000000000000000000" pitchFamily="2" charset="2"/>
-              </a:rPr>
-              <a:t>etc</a:t>
-            </a:r>
-            <a:r>
-              <a:rPr lang="en-US" dirty="0">
-                <a:latin typeface="Yu Gothic" panose="020B0400000000000000" pitchFamily="34" charset="-128"/>
-                <a:ea typeface="Yu Gothic" panose="020B0400000000000000" pitchFamily="34" charset="-128"/>
-                <a:sym typeface="Wingdings" panose="05000000000000000000" pitchFamily="2" charset="2"/>
-              </a:rPr>
-              <a:t> for </a:t>
-            </a:r>
-            <a:r>
-              <a:rPr lang="en-US" i="1" dirty="0">
-                <a:latin typeface="Yu Gothic" panose="020B0400000000000000" pitchFamily="34" charset="-128"/>
-                <a:ea typeface="Yu Gothic" panose="020B0400000000000000" pitchFamily="34" charset="-128"/>
-                <a:sym typeface="Wingdings" panose="05000000000000000000" pitchFamily="2" charset="2"/>
-              </a:rPr>
-              <a:t>oral</a:t>
-            </a:r>
-            <a:r>
-              <a:rPr lang="en-US" dirty="0">
-                <a:latin typeface="Yu Gothic" panose="020B0400000000000000" pitchFamily="34" charset="-128"/>
-                <a:ea typeface="Yu Gothic" panose="020B0400000000000000" pitchFamily="34" charset="-128"/>
-                <a:sym typeface="Wingdings" panose="05000000000000000000" pitchFamily="2" charset="2"/>
-              </a:rPr>
-              <a:t> data</a:t>
-            </a:r>
-          </a:p>
-          <a:p>
-            <a:r>
-              <a:rPr lang="en-US" dirty="0">
-                <a:latin typeface="Yu Gothic" panose="020B0400000000000000" pitchFamily="34" charset="-128"/>
-                <a:ea typeface="Yu Gothic" panose="020B0400000000000000" pitchFamily="34" charset="-128"/>
-                <a:sym typeface="Wingdings" panose="05000000000000000000" pitchFamily="2" charset="2"/>
-              </a:rPr>
-              <a:t>Find best fit for remaining demographic models (three epoch and bottleneck)</a:t>
-            </a:r>
-          </a:p>
-          <a:p>
-            <a:r>
-              <a:rPr lang="en-US" dirty="0">
-                <a:latin typeface="Yu Gothic" panose="020B0400000000000000" pitchFamily="34" charset="-128"/>
-                <a:ea typeface="Yu Gothic" panose="020B0400000000000000" pitchFamily="34" charset="-128"/>
-                <a:sym typeface="Wingdings" panose="05000000000000000000" pitchFamily="2" charset="2"/>
-              </a:rPr>
-              <a:t>Good species command</a:t>
+              <a:rPr lang="en-US" dirty="0"/>
+              <a:t>Across pi is higher than the within-host pi values for the most part (even in species not shown in previous slides)</a:t>
+            </a:r>
+          </a:p>
+          <a:p>
+            <a:r>
+              <a:rPr lang="en-US" dirty="0"/>
+              <a:t>The </a:t>
+            </a:r>
+            <a:r>
+              <a:rPr lang="en-US" i="1" dirty="0"/>
+              <a:t>value </a:t>
+            </a:r>
+            <a:r>
+              <a:rPr lang="en-US" dirty="0"/>
+              <a:t>of the across-host pi values is higher than in estimated in the original </a:t>
+            </a:r>
+            <a:r>
+              <a:rPr lang="en-US" dirty="0" err="1"/>
+              <a:t>midas</a:t>
+            </a:r>
+            <a:r>
+              <a:rPr lang="en-US" dirty="0"/>
+              <a:t> </a:t>
+            </a:r>
+            <a:r>
+              <a:rPr lang="en-US" dirty="0" err="1"/>
+              <a:t>biorxiv</a:t>
+            </a:r>
+            <a:r>
+              <a:rPr lang="en-US" dirty="0"/>
+              <a:t>, however, I think this can be attributed to a couple of factors</a:t>
             </a:r>
           </a:p>
           <a:p>
             <a:pPr lvl="1"/>
             <a:r>
-              <a:rPr lang="en-US" dirty="0">
-                <a:latin typeface="Yu Gothic" panose="020B0400000000000000" pitchFamily="34" charset="-128"/>
-                <a:ea typeface="Yu Gothic" panose="020B0400000000000000" pitchFamily="34" charset="-128"/>
-                <a:sym typeface="Wingdings" panose="05000000000000000000" pitchFamily="2" charset="2"/>
-              </a:rPr>
-              <a:t>Print out sample sizes, determine which is converging and which isn’t</a:t>
-            </a:r>
-          </a:p>
-          <a:p>
-            <a:r>
-              <a:rPr lang="en-US" dirty="0">
-                <a:latin typeface="Yu Gothic" panose="020B0400000000000000" pitchFamily="34" charset="-128"/>
-                <a:ea typeface="Yu Gothic" panose="020B0400000000000000" pitchFamily="34" charset="-128"/>
-                <a:sym typeface="Wingdings" panose="05000000000000000000" pitchFamily="2" charset="2"/>
-              </a:rPr>
-              <a:t>Make sure I understand the methods being used, e.g., polarization, clade control</a:t>
-            </a:r>
-          </a:p>
-          <a:p>
-            <a:r>
-              <a:rPr lang="en-US" dirty="0">
-                <a:latin typeface="Yu Gothic" panose="020B0400000000000000" pitchFamily="34" charset="-128"/>
-                <a:ea typeface="Yu Gothic" panose="020B0400000000000000" pitchFamily="34" charset="-128"/>
-                <a:sym typeface="Wingdings" panose="05000000000000000000" pitchFamily="2" charset="2"/>
-              </a:rPr>
-              <a:t>Which species are not converging, what is their sample size</a:t>
-            </a:r>
-          </a:p>
-          <a:p>
-            <a:r>
-              <a:rPr lang="en-US" dirty="0">
-                <a:latin typeface="Yu Gothic" panose="020B0400000000000000" pitchFamily="34" charset="-128"/>
-                <a:ea typeface="Yu Gothic" panose="020B0400000000000000" pitchFamily="34" charset="-128"/>
-                <a:sym typeface="Wingdings" panose="05000000000000000000" pitchFamily="2" charset="2"/>
-              </a:rPr>
-              <a:t>Work on paper outline</a:t>
-            </a:r>
+              <a:rPr lang="en-US" dirty="0"/>
+              <a:t>African pi values are generally higher (HMP is closer to original estimates)</a:t>
+            </a:r>
+          </a:p>
+          <a:p>
+            <a:pPr lvl="1"/>
+            <a:r>
+              <a:rPr lang="en-US" dirty="0"/>
+              <a:t>Excluding low-sample-depth sites likely raises estimates of pi, since low-sample-depth sites are more likely to have a heterozygosity of 0.</a:t>
+            </a:r>
+          </a:p>
+          <a:p>
+            <a:r>
+              <a:rPr lang="en-US" dirty="0"/>
+              <a:t>Generally, African pi values are higher (within and across hosts)</a:t>
+            </a:r>
+          </a:p>
+          <a:p>
+            <a:pPr lvl="1"/>
+            <a:r>
+              <a:rPr lang="en-US" dirty="0"/>
+              <a:t>This is more significant in samples for which we have more data, i.e., at least 20 samples per cohort is 9/10 significant, 8/10 if you account for multiple </a:t>
+            </a:r>
+            <a:r>
+              <a:rPr lang="en-US"/>
+              <a:t>hypothesis testing.</a:t>
+            </a:r>
+            <a:endParaRPr lang="en-US" dirty="0"/>
           </a:p>
         </p:txBody>
       </p:sp>
     </p:spTree>
     <p:extLst>
       <p:ext uri="{BB962C8B-B14F-4D97-AF65-F5344CB8AC3E}">
-        <p14:creationId xmlns:p14="http://schemas.microsoft.com/office/powerpoint/2010/main" val="1230404432"/>
+        <p14:creationId xmlns:p14="http://schemas.microsoft.com/office/powerpoint/2010/main" val="2267286231"/>
       </p:ext>
     </p:extLst>
   </p:cSld>
@@ -4938,7 +4857,7 @@
         <p:spPr/>
         <p:txBody>
           <a:bodyPr>
-            <a:normAutofit/>
+            <a:normAutofit lnSpcReduction="10000"/>
           </a:bodyPr>
           <a:lstStyle/>
           <a:p>
@@ -4948,28 +4867,108 @@
                 <a:ea typeface="Yu Gothic" panose="020B0400000000000000" pitchFamily="34" charset="-128"/>
                 <a:sym typeface="Wingdings" panose="05000000000000000000" pitchFamily="2" charset="2"/>
               </a:rPr>
-              <a:t>Fix MIDAS species step, </a:t>
-            </a:r>
-            <a:r>
-              <a:rPr lang="en-US" b="1" dirty="0">
+              <a:t>Midas  demographic inference, </a:t>
+            </a:r>
+            <a:r>
+              <a:rPr lang="en-US" dirty="0" err="1">
                 <a:latin typeface="Yu Gothic" panose="020B0400000000000000" pitchFamily="34" charset="-128"/>
                 <a:ea typeface="Yu Gothic" panose="020B0400000000000000" pitchFamily="34" charset="-128"/>
                 <a:sym typeface="Wingdings" panose="05000000000000000000" pitchFamily="2" charset="2"/>
               </a:rPr>
-              <a:t>check in on Monday or before</a:t>
-            </a:r>
-            <a:endParaRPr lang="en-US" dirty="0">
-              <a:latin typeface="Yu Gothic" panose="020B0400000000000000" pitchFamily="34" charset="-128"/>
-              <a:ea typeface="Yu Gothic" panose="020B0400000000000000" pitchFamily="34" charset="-128"/>
-              <a:sym typeface="Wingdings" panose="05000000000000000000" pitchFamily="2" charset="2"/>
-            </a:endParaRPr>
+              <a:t>etc</a:t>
+            </a:r>
+            <a:r>
+              <a:rPr lang="en-US" dirty="0">
+                <a:latin typeface="Yu Gothic" panose="020B0400000000000000" pitchFamily="34" charset="-128"/>
+                <a:ea typeface="Yu Gothic" panose="020B0400000000000000" pitchFamily="34" charset="-128"/>
+                <a:sym typeface="Wingdings" panose="05000000000000000000" pitchFamily="2" charset="2"/>
+              </a:rPr>
+              <a:t> for </a:t>
+            </a:r>
+            <a:r>
+              <a:rPr lang="en-US" i="1" dirty="0">
+                <a:latin typeface="Yu Gothic" panose="020B0400000000000000" pitchFamily="34" charset="-128"/>
+                <a:ea typeface="Yu Gothic" panose="020B0400000000000000" pitchFamily="34" charset="-128"/>
+                <a:sym typeface="Wingdings" panose="05000000000000000000" pitchFamily="2" charset="2"/>
+              </a:rPr>
+              <a:t>oral</a:t>
+            </a:r>
+            <a:r>
+              <a:rPr lang="en-US" dirty="0">
+                <a:latin typeface="Yu Gothic" panose="020B0400000000000000" pitchFamily="34" charset="-128"/>
+                <a:ea typeface="Yu Gothic" panose="020B0400000000000000" pitchFamily="34" charset="-128"/>
+                <a:sym typeface="Wingdings" panose="05000000000000000000" pitchFamily="2" charset="2"/>
+              </a:rPr>
+              <a:t> data</a:t>
+            </a:r>
+          </a:p>
+          <a:p>
+            <a:r>
+              <a:rPr lang="en-US" dirty="0">
+                <a:latin typeface="Yu Gothic" panose="020B0400000000000000" pitchFamily="34" charset="-128"/>
+                <a:ea typeface="Yu Gothic" panose="020B0400000000000000" pitchFamily="34" charset="-128"/>
+                <a:sym typeface="Wingdings" panose="05000000000000000000" pitchFamily="2" charset="2"/>
+              </a:rPr>
+              <a:t>Find best fit for remaining demographic models (three epoch and bottleneck)</a:t>
+            </a:r>
+          </a:p>
+          <a:p>
+            <a:r>
+              <a:rPr lang="en-US" dirty="0">
+                <a:latin typeface="Yu Gothic" panose="020B0400000000000000" pitchFamily="34" charset="-128"/>
+                <a:ea typeface="Yu Gothic" panose="020B0400000000000000" pitchFamily="34" charset="-128"/>
+                <a:sym typeface="Wingdings" panose="05000000000000000000" pitchFamily="2" charset="2"/>
+              </a:rPr>
+              <a:t>Good species command</a:t>
+            </a:r>
+          </a:p>
+          <a:p>
+            <a:pPr lvl="1"/>
+            <a:r>
+              <a:rPr lang="en-US" dirty="0">
+                <a:latin typeface="Yu Gothic" panose="020B0400000000000000" pitchFamily="34" charset="-128"/>
+                <a:ea typeface="Yu Gothic" panose="020B0400000000000000" pitchFamily="34" charset="-128"/>
+                <a:sym typeface="Wingdings" panose="05000000000000000000" pitchFamily="2" charset="2"/>
+              </a:rPr>
+              <a:t>Print out sample sizes, determine which is converging and which isn’t</a:t>
+            </a:r>
+          </a:p>
+          <a:p>
+            <a:r>
+              <a:rPr lang="en-US" dirty="0">
+                <a:latin typeface="Yu Gothic" panose="020B0400000000000000" pitchFamily="34" charset="-128"/>
+                <a:ea typeface="Yu Gothic" panose="020B0400000000000000" pitchFamily="34" charset="-128"/>
+                <a:sym typeface="Wingdings" panose="05000000000000000000" pitchFamily="2" charset="2"/>
+              </a:rPr>
+              <a:t>Make sure I understand the methods being used, e.g., polarization, clade control</a:t>
+            </a:r>
+          </a:p>
+          <a:p>
+            <a:r>
+              <a:rPr lang="en-US" dirty="0">
+                <a:latin typeface="Yu Gothic" panose="020B0400000000000000" pitchFamily="34" charset="-128"/>
+                <a:ea typeface="Yu Gothic" panose="020B0400000000000000" pitchFamily="34" charset="-128"/>
+                <a:sym typeface="Wingdings" panose="05000000000000000000" pitchFamily="2" charset="2"/>
+              </a:rPr>
+              <a:t>Which species are not converging, what is their sample size</a:t>
+            </a:r>
+          </a:p>
+          <a:p>
+            <a:r>
+              <a:rPr lang="en-US" dirty="0">
+                <a:latin typeface="Yu Gothic" panose="020B0400000000000000" pitchFamily="34" charset="-128"/>
+                <a:ea typeface="Yu Gothic" panose="020B0400000000000000" pitchFamily="34" charset="-128"/>
+                <a:sym typeface="Wingdings" panose="05000000000000000000" pitchFamily="2" charset="2"/>
+              </a:rPr>
+              <a:t>Work on paper outline</a:t>
+            </a:r>
           </a:p>
         </p:txBody>
       </p:sp>
     </p:spTree>
     <p:extLst>
       <p:ext uri="{BB962C8B-B14F-4D97-AF65-F5344CB8AC3E}">
-        <p14:creationId xmlns:p14="http://schemas.microsoft.com/office/powerpoint/2010/main" val="897933235"/>
+        <p14:creationId xmlns:p14="http://schemas.microsoft.com/office/powerpoint/2010/main" val="1230404432"/>
       </p:ext>
     </p:extLst>
   </p:cSld>
@@ -5080,13 +5079,8 @@
             </a:r>
             <a:r>
               <a:rPr lang="en-US" dirty="0"/>
-              <a:t> (will check in tomorrow or </a:t>
-            </a:r>
-            <a:r>
-              <a:rPr lang="en-US"/>
-              <a:t>later tonight)</a:t>
-            </a:r>
-            <a:endParaRPr lang="en-US" dirty="0"/>
+              <a:t> (will check in tomorrow or later tonight)</a:t>
+            </a:r>
           </a:p>
           <a:p>
             <a:r>

--- a/Summary/20211208_microbiome_demographic_slides.pptx
+++ b/Summary/20211208_microbiome_demographic_slides.pptx
@@ -5,7 +5,7 @@
     <p:sldMasterId id="2147483648" r:id="rId1"/>
   </p:sldMasterIdLst>
   <p:notesMasterIdLst>
-    <p:notesMasterId r:id="rId14"/>
+    <p:notesMasterId r:id="rId15"/>
   </p:notesMasterIdLst>
   <p:sldIdLst>
     <p:sldId id="256" r:id="rId2"/>
@@ -18,8 +18,9 @@
     <p:sldId id="339" r:id="rId9"/>
     <p:sldId id="345" r:id="rId10"/>
     <p:sldId id="346" r:id="rId11"/>
-    <p:sldId id="351" r:id="rId12"/>
-    <p:sldId id="278" r:id="rId13"/>
+    <p:sldId id="353" r:id="rId12"/>
+    <p:sldId id="351" r:id="rId13"/>
+    <p:sldId id="278" r:id="rId14"/>
   </p:sldIdLst>
   <p:sldSz cx="12192000" cy="6858000"/>
   <p:notesSz cx="6858000" cy="9144000"/>
@@ -133,6 +134,7 @@
             <p14:sldId id="339"/>
             <p14:sldId id="345"/>
             <p14:sldId id="346"/>
+            <p14:sldId id="353"/>
             <p14:sldId id="351"/>
             <p14:sldId id="278"/>
           </p14:sldIdLst>
@@ -150,6 +152,7 @@
 <p1510:revInfo xmlns:a="http://schemas.openxmlformats.org/drawingml/2006/main" xmlns:r="http://schemas.openxmlformats.org/officeDocument/2006/relationships" xmlns:p1510="http://schemas.microsoft.com/office/powerpoint/2015/10/main">
   <p1510:revLst>
     <p1510:client id="{55B1CDD5-9F2E-4651-9018-76CF2BDBE1DC}" v="41" dt="2021-12-09T02:26:31.808"/>
+    <p1510:client id="{6A53E353-5F56-4C4A-BD7A-C1814DF06CF2}" v="2" dt="2021-12-09T21:38:47.826"/>
   </p1510:revLst>
 </p1510:revInfo>
 </file>
@@ -559,6 +562,114 @@
       </pc:sldChg>
     </pc:docChg>
   </pc:docChgLst>
+  <pc:docChgLst>
+    <pc:chgData name="Jonathan Mah" userId="5261b2f2f3e51194" providerId="LiveId" clId="{6A53E353-5F56-4C4A-BD7A-C1814DF06CF2}"/>
+    <pc:docChg chg="custSel addSld delSld modSld sldOrd modSection">
+      <pc:chgData name="Jonathan Mah" userId="5261b2f2f3e51194" providerId="LiveId" clId="{6A53E353-5F56-4C4A-BD7A-C1814DF06CF2}" dt="2021-12-09T21:40:27.981" v="549" actId="20577"/>
+      <pc:docMkLst>
+        <pc:docMk/>
+      </pc:docMkLst>
+      <pc:sldChg chg="addSp modSp mod">
+        <pc:chgData name="Jonathan Mah" userId="5261b2f2f3e51194" providerId="LiveId" clId="{6A53E353-5F56-4C4A-BD7A-C1814DF06CF2}" dt="2021-12-09T21:40:27.981" v="549" actId="20577"/>
+        <pc:sldMkLst>
+          <pc:docMk/>
+          <pc:sldMk cId="2427039477" sldId="339"/>
+        </pc:sldMkLst>
+        <pc:spChg chg="add mod">
+          <ac:chgData name="Jonathan Mah" userId="5261b2f2f3e51194" providerId="LiveId" clId="{6A53E353-5F56-4C4A-BD7A-C1814DF06CF2}" dt="2021-12-09T21:40:27.981" v="549" actId="20577"/>
+          <ac:spMkLst>
+            <pc:docMk/>
+            <pc:sldMk cId="2427039477" sldId="339"/>
+            <ac:spMk id="5" creationId="{F63CF860-7245-4BDA-BD26-771584D3F86E}"/>
+          </ac:spMkLst>
+        </pc:spChg>
+        <pc:spChg chg="mod">
+          <ac:chgData name="Jonathan Mah" userId="5261b2f2f3e51194" providerId="LiveId" clId="{6A53E353-5F56-4C4A-BD7A-C1814DF06CF2}" dt="2021-12-09T21:38:46.351" v="396" actId="1076"/>
+          <ac:spMkLst>
+            <pc:docMk/>
+            <pc:sldMk cId="2427039477" sldId="339"/>
+            <ac:spMk id="7" creationId="{34068946-4BD9-4EF4-97B2-A1CFE4FC30FD}"/>
+          </ac:spMkLst>
+        </pc:spChg>
+      </pc:sldChg>
+      <pc:sldChg chg="modNotesTx">
+        <pc:chgData name="Jonathan Mah" userId="5261b2f2f3e51194" providerId="LiveId" clId="{6A53E353-5F56-4C4A-BD7A-C1814DF06CF2}" dt="2021-12-09T21:26:06.896" v="324" actId="20577"/>
+        <pc:sldMkLst>
+          <pc:docMk/>
+          <pc:sldMk cId="1384255232" sldId="343"/>
+        </pc:sldMkLst>
+      </pc:sldChg>
+      <pc:sldChg chg="modNotesTx">
+        <pc:chgData name="Jonathan Mah" userId="5261b2f2f3e51194" providerId="LiveId" clId="{6A53E353-5F56-4C4A-BD7A-C1814DF06CF2}" dt="2021-12-09T21:22:20.941" v="199" actId="113"/>
+        <pc:sldMkLst>
+          <pc:docMk/>
+          <pc:sldMk cId="1044867529" sldId="348"/>
+        </pc:sldMkLst>
+      </pc:sldChg>
+      <pc:sldChg chg="addSp delSp modSp new del mod">
+        <pc:chgData name="Jonathan Mah" userId="5261b2f2f3e51194" providerId="LiveId" clId="{6A53E353-5F56-4C4A-BD7A-C1814DF06CF2}" dt="2021-12-09T21:36:00.747" v="373" actId="47"/>
+        <pc:sldMkLst>
+          <pc:docMk/>
+          <pc:sldMk cId="2546258698" sldId="352"/>
+        </pc:sldMkLst>
+        <pc:spChg chg="del">
+          <ac:chgData name="Jonathan Mah" userId="5261b2f2f3e51194" providerId="LiveId" clId="{6A53E353-5F56-4C4A-BD7A-C1814DF06CF2}" dt="2021-12-09T21:32:47.065" v="326" actId="478"/>
+          <ac:spMkLst>
+            <pc:docMk/>
+            <pc:sldMk cId="2546258698" sldId="352"/>
+            <ac:spMk id="2" creationId="{DE660262-F7BE-4A00-8A78-3C4C44BB3A51}"/>
+          </ac:spMkLst>
+        </pc:spChg>
+        <pc:spChg chg="del">
+          <ac:chgData name="Jonathan Mah" userId="5261b2f2f3e51194" providerId="LiveId" clId="{6A53E353-5F56-4C4A-BD7A-C1814DF06CF2}" dt="2021-12-09T21:32:47.065" v="326" actId="478"/>
+          <ac:spMkLst>
+            <pc:docMk/>
+            <pc:sldMk cId="2546258698" sldId="352"/>
+            <ac:spMk id="3" creationId="{464F48F1-1D8B-4F01-B83D-77F52C403C0A}"/>
+          </ac:spMkLst>
+        </pc:spChg>
+        <pc:picChg chg="add del mod">
+          <ac:chgData name="Jonathan Mah" userId="5261b2f2f3e51194" providerId="LiveId" clId="{6A53E353-5F56-4C4A-BD7A-C1814DF06CF2}" dt="2021-12-09T21:34:48.712" v="333" actId="478"/>
+          <ac:picMkLst>
+            <pc:docMk/>
+            <pc:sldMk cId="2546258698" sldId="352"/>
+            <ac:picMk id="5" creationId="{EA1D202D-1390-4AC7-8F23-7FF25A88EE03}"/>
+          </ac:picMkLst>
+        </pc:picChg>
+      </pc:sldChg>
+      <pc:sldChg chg="addSp delSp modSp new mod ord modNotesTx">
+        <pc:chgData name="Jonathan Mah" userId="5261b2f2f3e51194" providerId="LiveId" clId="{6A53E353-5F56-4C4A-BD7A-C1814DF06CF2}" dt="2021-12-09T21:37:36.007" v="395"/>
+        <pc:sldMkLst>
+          <pc:docMk/>
+          <pc:sldMk cId="1286076263" sldId="353"/>
+        </pc:sldMkLst>
+        <pc:spChg chg="mod">
+          <ac:chgData name="Jonathan Mah" userId="5261b2f2f3e51194" providerId="LiveId" clId="{6A53E353-5F56-4C4A-BD7A-C1814DF06CF2}" dt="2021-12-09T21:34:58.201" v="367" actId="20577"/>
+          <ac:spMkLst>
+            <pc:docMk/>
+            <pc:sldMk cId="1286076263" sldId="353"/>
+            <ac:spMk id="2" creationId="{D28C84BD-E652-4CA4-BAD0-76CC75145D1E}"/>
+          </ac:spMkLst>
+        </pc:spChg>
+        <pc:spChg chg="del">
+          <ac:chgData name="Jonathan Mah" userId="5261b2f2f3e51194" providerId="LiveId" clId="{6A53E353-5F56-4C4A-BD7A-C1814DF06CF2}" dt="2021-12-09T21:35:01.255" v="368" actId="478"/>
+          <ac:spMkLst>
+            <pc:docMk/>
+            <pc:sldMk cId="1286076263" sldId="353"/>
+            <ac:spMk id="3" creationId="{30DD7311-4CBC-4150-93E4-1B818C379ECA}"/>
+          </ac:spMkLst>
+        </pc:spChg>
+        <pc:picChg chg="add mod">
+          <ac:chgData name="Jonathan Mah" userId="5261b2f2f3e51194" providerId="LiveId" clId="{6A53E353-5F56-4C4A-BD7A-C1814DF06CF2}" dt="2021-12-09T21:35:32.671" v="372" actId="14100"/>
+          <ac:picMkLst>
+            <pc:docMk/>
+            <pc:sldMk cId="1286076263" sldId="353"/>
+            <ac:picMk id="5" creationId="{D1B96AB9-7DF7-4054-948E-DCD8220BCF0B}"/>
+          </ac:picMkLst>
+        </pc:picChg>
+      </pc:sldChg>
+    </pc:docChg>
+  </pc:docChgLst>
 </pc:chgInfo>
 </file>
 
@@ -644,7 +755,7 @@
           <a:p>
             <a:fld id="{2F446724-7A58-4020-9182-8374F0305DD3}" type="datetimeFigureOut">
               <a:rPr lang="en-US" smtClean="0"/>
-              <a:t>12/8/2021</a:t>
+              <a:t>12/9/2021</a:t>
             </a:fld>
             <a:endParaRPr lang="en-US"/>
           </a:p>
@@ -957,7 +1068,16 @@
           <a:p>
             <a:r>
               <a:rPr lang="en-US" dirty="0"/>
-              <a:t>Paired t-test within-and-across-host pi</a:t>
+              <a:t>Look for examples of nucleotide diversity across different populations</a:t>
+            </a:r>
+          </a:p>
+          <a:p>
+            <a:endParaRPr lang="en-US" dirty="0"/>
+          </a:p>
+          <a:p>
+            <a:r>
+              <a:rPr lang="en-US" b="1" dirty="0"/>
+              <a:t>Look for plots which resemble nucleotide diversity in human gut microbiomes from different populations.</a:t>
             </a:r>
           </a:p>
         </p:txBody>
@@ -979,7 +1099,7 @@
           <a:p>
             <a:fld id="{9D984E8B-8157-4976-ABDF-6DA2CAC3440F}" type="slidenum">
               <a:rPr lang="en-US" smtClean="0"/>
-              <a:t>7</a:t>
+              <a:t>4</a:t>
             </a:fld>
             <a:endParaRPr lang="en-US"/>
           </a:p>
@@ -988,7 +1108,7 @@
     </p:spTree>
     <p:extLst>
       <p:ext uri="{BB962C8B-B14F-4D97-AF65-F5344CB8AC3E}">
-        <p14:creationId xmlns:p14="http://schemas.microsoft.com/office/powerpoint/2010/main" val="3871759569"/>
+        <p14:creationId xmlns:p14="http://schemas.microsoft.com/office/powerpoint/2010/main" val="2014666212"/>
       </p:ext>
     </p:extLst>
   </p:cSld>
@@ -1047,6 +1167,21 @@
               <a:t>Paired t-test within-and-across-host pi</a:t>
             </a:r>
           </a:p>
+          <a:p>
+            <a:endParaRPr lang="en-US" dirty="0"/>
+          </a:p>
+          <a:p>
+            <a:r>
+              <a:rPr lang="en-US" dirty="0"/>
+              <a:t>Within host pi for one strain is typically 10^-3 or less</a:t>
+            </a:r>
+          </a:p>
+          <a:p>
+            <a:r>
+              <a:rPr lang="en-US" dirty="0"/>
+              <a:t>Within host pi for two strains is typically 10^-2 or less</a:t>
+            </a:r>
+          </a:p>
         </p:txBody>
       </p:sp>
       <p:sp>
@@ -1066,7 +1201,7 @@
           <a:p>
             <a:fld id="{9D984E8B-8157-4976-ABDF-6DA2CAC3440F}" type="slidenum">
               <a:rPr lang="en-US" smtClean="0"/>
-              <a:t>9</a:t>
+              <a:t>7</a:t>
             </a:fld>
             <a:endParaRPr lang="en-US"/>
           </a:p>
@@ -1075,7 +1210,7 @@
     </p:spTree>
     <p:extLst>
       <p:ext uri="{BB962C8B-B14F-4D97-AF65-F5344CB8AC3E}">
-        <p14:creationId xmlns:p14="http://schemas.microsoft.com/office/powerpoint/2010/main" val="2900232331"/>
+        <p14:creationId xmlns:p14="http://schemas.microsoft.com/office/powerpoint/2010/main" val="3871759569"/>
       </p:ext>
     </p:extLst>
   </p:cSld>
@@ -1150,7 +1285,265 @@
           <a:p>
             <a:fld id="{9D984E8B-8157-4976-ABDF-6DA2CAC3440F}" type="slidenum">
               <a:rPr lang="en-US" smtClean="0"/>
-              <a:t>12</a:t>
+              <a:t>8</a:t>
+            </a:fld>
+            <a:endParaRPr lang="en-US"/>
+          </a:p>
+        </p:txBody>
+      </p:sp>
+    </p:spTree>
+    <p:extLst>
+      <p:ext uri="{BB962C8B-B14F-4D97-AF65-F5344CB8AC3E}">
+        <p14:creationId xmlns:p14="http://schemas.microsoft.com/office/powerpoint/2010/main" val="1618686647"/>
+      </p:ext>
+    </p:extLst>
+  </p:cSld>
+  <p:clrMapOvr>
+    <a:masterClrMapping/>
+  </p:clrMapOvr>
+</p:notes>
+</file>
+
+<file path=ppt/notesSlides/notesSlide4.xml><?xml version="1.0" encoding="utf-8"?>
+<p:notes xmlns:a="http://schemas.openxmlformats.org/drawingml/2006/main" xmlns:r="http://schemas.openxmlformats.org/officeDocument/2006/relationships" xmlns:p="http://schemas.openxmlformats.org/presentationml/2006/main">
+  <p:cSld>
+    <p:spTree>
+      <p:nvGrpSpPr>
+        <p:cNvPr id="1" name=""/>
+        <p:cNvGrpSpPr/>
+        <p:nvPr/>
+      </p:nvGrpSpPr>
+      <p:grpSpPr>
+        <a:xfrm>
+          <a:off x="0" y="0"/>
+          <a:ext cx="0" cy="0"/>
+          <a:chOff x="0" y="0"/>
+          <a:chExt cx="0" cy="0"/>
+        </a:xfrm>
+      </p:grpSpPr>
+      <p:sp>
+        <p:nvSpPr>
+          <p:cNvPr id="2" name="Slide Image Placeholder 1"/>
+          <p:cNvSpPr>
+            <a:spLocks noGrp="1" noRot="1" noChangeAspect="1"/>
+          </p:cNvSpPr>
+          <p:nvPr>
+            <p:ph type="sldImg"/>
+          </p:nvPr>
+        </p:nvSpPr>
+        <p:spPr/>
+      </p:sp>
+      <p:sp>
+        <p:nvSpPr>
+          <p:cNvPr id="3" name="Notes Placeholder 2"/>
+          <p:cNvSpPr>
+            <a:spLocks noGrp="1"/>
+          </p:cNvSpPr>
+          <p:nvPr>
+            <p:ph type="body" idx="1"/>
+          </p:nvPr>
+        </p:nvSpPr>
+        <p:spPr/>
+        <p:txBody>
+          <a:bodyPr/>
+          <a:lstStyle/>
+          <a:p>
+            <a:r>
+              <a:rPr lang="en-US" dirty="0"/>
+              <a:t>Paired t-test within-and-across-host pi</a:t>
+            </a:r>
+          </a:p>
+        </p:txBody>
+      </p:sp>
+      <p:sp>
+        <p:nvSpPr>
+          <p:cNvPr id="4" name="Slide Number Placeholder 3"/>
+          <p:cNvSpPr>
+            <a:spLocks noGrp="1"/>
+          </p:cNvSpPr>
+          <p:nvPr>
+            <p:ph type="sldNum" sz="quarter" idx="5"/>
+          </p:nvPr>
+        </p:nvSpPr>
+        <p:spPr/>
+        <p:txBody>
+          <a:bodyPr/>
+          <a:lstStyle/>
+          <a:p>
+            <a:fld id="{9D984E8B-8157-4976-ABDF-6DA2CAC3440F}" type="slidenum">
+              <a:rPr lang="en-US" smtClean="0"/>
+              <a:t>9</a:t>
+            </a:fld>
+            <a:endParaRPr lang="en-US"/>
+          </a:p>
+        </p:txBody>
+      </p:sp>
+    </p:spTree>
+    <p:extLst>
+      <p:ext uri="{BB962C8B-B14F-4D97-AF65-F5344CB8AC3E}">
+        <p14:creationId xmlns:p14="http://schemas.microsoft.com/office/powerpoint/2010/main" val="2900232331"/>
+      </p:ext>
+    </p:extLst>
+  </p:cSld>
+  <p:clrMapOvr>
+    <a:masterClrMapping/>
+  </p:clrMapOvr>
+</p:notes>
+</file>
+
+<file path=ppt/notesSlides/notesSlide5.xml><?xml version="1.0" encoding="utf-8"?>
+<p:notes xmlns:a="http://schemas.openxmlformats.org/drawingml/2006/main" xmlns:r="http://schemas.openxmlformats.org/officeDocument/2006/relationships" xmlns:p="http://schemas.openxmlformats.org/presentationml/2006/main">
+  <p:cSld>
+    <p:spTree>
+      <p:nvGrpSpPr>
+        <p:cNvPr id="1" name=""/>
+        <p:cNvGrpSpPr/>
+        <p:nvPr/>
+      </p:nvGrpSpPr>
+      <p:grpSpPr>
+        <a:xfrm>
+          <a:off x="0" y="0"/>
+          <a:ext cx="0" cy="0"/>
+          <a:chOff x="0" y="0"/>
+          <a:chExt cx="0" cy="0"/>
+        </a:xfrm>
+      </p:grpSpPr>
+      <p:sp>
+        <p:nvSpPr>
+          <p:cNvPr id="2" name="Slide Image Placeholder 1"/>
+          <p:cNvSpPr>
+            <a:spLocks noGrp="1" noRot="1" noChangeAspect="1"/>
+          </p:cNvSpPr>
+          <p:nvPr>
+            <p:ph type="sldImg"/>
+          </p:nvPr>
+        </p:nvSpPr>
+        <p:spPr/>
+      </p:sp>
+      <p:sp>
+        <p:nvSpPr>
+          <p:cNvPr id="3" name="Notes Placeholder 2"/>
+          <p:cNvSpPr>
+            <a:spLocks noGrp="1"/>
+          </p:cNvSpPr>
+          <p:nvPr>
+            <p:ph type="body" idx="1"/>
+          </p:nvPr>
+        </p:nvSpPr>
+        <p:spPr/>
+        <p:txBody>
+          <a:bodyPr/>
+          <a:lstStyle/>
+          <a:p>
+            <a:r>
+              <a:rPr lang="en-US" dirty="0"/>
+              <a:t>Share in lab meeting</a:t>
+            </a:r>
+          </a:p>
+        </p:txBody>
+      </p:sp>
+      <p:sp>
+        <p:nvSpPr>
+          <p:cNvPr id="4" name="Slide Number Placeholder 3"/>
+          <p:cNvSpPr>
+            <a:spLocks noGrp="1"/>
+          </p:cNvSpPr>
+          <p:nvPr>
+            <p:ph type="sldNum" sz="quarter" idx="5"/>
+          </p:nvPr>
+        </p:nvSpPr>
+        <p:spPr/>
+        <p:txBody>
+          <a:bodyPr/>
+          <a:lstStyle/>
+          <a:p>
+            <a:fld id="{9D984E8B-8157-4976-ABDF-6DA2CAC3440F}" type="slidenum">
+              <a:rPr lang="en-US" smtClean="0"/>
+              <a:t>11</a:t>
+            </a:fld>
+            <a:endParaRPr lang="en-US"/>
+          </a:p>
+        </p:txBody>
+      </p:sp>
+    </p:spTree>
+    <p:extLst>
+      <p:ext uri="{BB962C8B-B14F-4D97-AF65-F5344CB8AC3E}">
+        <p14:creationId xmlns:p14="http://schemas.microsoft.com/office/powerpoint/2010/main" val="888293918"/>
+      </p:ext>
+    </p:extLst>
+  </p:cSld>
+  <p:clrMapOvr>
+    <a:masterClrMapping/>
+  </p:clrMapOvr>
+</p:notes>
+</file>
+
+<file path=ppt/notesSlides/notesSlide6.xml><?xml version="1.0" encoding="utf-8"?>
+<p:notes xmlns:a="http://schemas.openxmlformats.org/drawingml/2006/main" xmlns:r="http://schemas.openxmlformats.org/officeDocument/2006/relationships" xmlns:p="http://schemas.openxmlformats.org/presentationml/2006/main">
+  <p:cSld>
+    <p:spTree>
+      <p:nvGrpSpPr>
+        <p:cNvPr id="1" name=""/>
+        <p:cNvGrpSpPr/>
+        <p:nvPr/>
+      </p:nvGrpSpPr>
+      <p:grpSpPr>
+        <a:xfrm>
+          <a:off x="0" y="0"/>
+          <a:ext cx="0" cy="0"/>
+          <a:chOff x="0" y="0"/>
+          <a:chExt cx="0" cy="0"/>
+        </a:xfrm>
+      </p:grpSpPr>
+      <p:sp>
+        <p:nvSpPr>
+          <p:cNvPr id="2" name="Slide Image Placeholder 1"/>
+          <p:cNvSpPr>
+            <a:spLocks noGrp="1" noRot="1" noChangeAspect="1"/>
+          </p:cNvSpPr>
+          <p:nvPr>
+            <p:ph type="sldImg"/>
+          </p:nvPr>
+        </p:nvSpPr>
+        <p:spPr/>
+      </p:sp>
+      <p:sp>
+        <p:nvSpPr>
+          <p:cNvPr id="3" name="Notes Placeholder 2"/>
+          <p:cNvSpPr>
+            <a:spLocks noGrp="1"/>
+          </p:cNvSpPr>
+          <p:nvPr>
+            <p:ph type="body" idx="1"/>
+          </p:nvPr>
+        </p:nvSpPr>
+        <p:spPr/>
+        <p:txBody>
+          <a:bodyPr/>
+          <a:lstStyle/>
+          <a:p>
+            <a:endParaRPr lang="en-US" dirty="0"/>
+          </a:p>
+        </p:txBody>
+      </p:sp>
+      <p:sp>
+        <p:nvSpPr>
+          <p:cNvPr id="4" name="Slide Number Placeholder 3"/>
+          <p:cNvSpPr>
+            <a:spLocks noGrp="1"/>
+          </p:cNvSpPr>
+          <p:nvPr>
+            <p:ph type="sldNum" sz="quarter" idx="5"/>
+          </p:nvPr>
+        </p:nvSpPr>
+        <p:spPr/>
+        <p:txBody>
+          <a:bodyPr/>
+          <a:lstStyle/>
+          <a:p>
+            <a:fld id="{9D984E8B-8157-4976-ABDF-6DA2CAC3440F}" type="slidenum">
+              <a:rPr lang="en-US" smtClean="0"/>
+              <a:t>13</a:t>
             </a:fld>
             <a:endParaRPr lang="en-US"/>
           </a:p>
@@ -1316,7 +1709,7 @@
           <a:p>
             <a:fld id="{6A6E4237-9E27-40CF-A4D8-1330F92F21DA}" type="datetimeFigureOut">
               <a:rPr lang="en-US" smtClean="0"/>
-              <a:t>12/8/2021</a:t>
+              <a:t>12/9/2021</a:t>
             </a:fld>
             <a:endParaRPr lang="en-US"/>
           </a:p>
@@ -1514,7 +1907,7 @@
           <a:p>
             <a:fld id="{6A6E4237-9E27-40CF-A4D8-1330F92F21DA}" type="datetimeFigureOut">
               <a:rPr lang="en-US" smtClean="0"/>
-              <a:t>12/8/2021</a:t>
+              <a:t>12/9/2021</a:t>
             </a:fld>
             <a:endParaRPr lang="en-US"/>
           </a:p>
@@ -1722,7 +2115,7 @@
           <a:p>
             <a:fld id="{6A6E4237-9E27-40CF-A4D8-1330F92F21DA}" type="datetimeFigureOut">
               <a:rPr lang="en-US" smtClean="0"/>
-              <a:t>12/8/2021</a:t>
+              <a:t>12/9/2021</a:t>
             </a:fld>
             <a:endParaRPr lang="en-US"/>
           </a:p>
@@ -1920,7 +2313,7 @@
           <a:p>
             <a:fld id="{6A6E4237-9E27-40CF-A4D8-1330F92F21DA}" type="datetimeFigureOut">
               <a:rPr lang="en-US" smtClean="0"/>
-              <a:t>12/8/2021</a:t>
+              <a:t>12/9/2021</a:t>
             </a:fld>
             <a:endParaRPr lang="en-US"/>
           </a:p>
@@ -2195,7 +2588,7 @@
           <a:p>
             <a:fld id="{6A6E4237-9E27-40CF-A4D8-1330F92F21DA}" type="datetimeFigureOut">
               <a:rPr lang="en-US" smtClean="0"/>
-              <a:t>12/8/2021</a:t>
+              <a:t>12/9/2021</a:t>
             </a:fld>
             <a:endParaRPr lang="en-US"/>
           </a:p>
@@ -2460,7 +2853,7 @@
           <a:p>
             <a:fld id="{6A6E4237-9E27-40CF-A4D8-1330F92F21DA}" type="datetimeFigureOut">
               <a:rPr lang="en-US" smtClean="0"/>
-              <a:t>12/8/2021</a:t>
+              <a:t>12/9/2021</a:t>
             </a:fld>
             <a:endParaRPr lang="en-US"/>
           </a:p>
@@ -2872,7 +3265,7 @@
           <a:p>
             <a:fld id="{6A6E4237-9E27-40CF-A4D8-1330F92F21DA}" type="datetimeFigureOut">
               <a:rPr lang="en-US" smtClean="0"/>
-              <a:t>12/8/2021</a:t>
+              <a:t>12/9/2021</a:t>
             </a:fld>
             <a:endParaRPr lang="en-US"/>
           </a:p>
@@ -3013,7 +3406,7 @@
           <a:p>
             <a:fld id="{6A6E4237-9E27-40CF-A4D8-1330F92F21DA}" type="datetimeFigureOut">
               <a:rPr lang="en-US" smtClean="0"/>
-              <a:t>12/8/2021</a:t>
+              <a:t>12/9/2021</a:t>
             </a:fld>
             <a:endParaRPr lang="en-US"/>
           </a:p>
@@ -3126,7 +3519,7 @@
           <a:p>
             <a:fld id="{6A6E4237-9E27-40CF-A4D8-1330F92F21DA}" type="datetimeFigureOut">
               <a:rPr lang="en-US" smtClean="0"/>
-              <a:t>12/8/2021</a:t>
+              <a:t>12/9/2021</a:t>
             </a:fld>
             <a:endParaRPr lang="en-US"/>
           </a:p>
@@ -3437,7 +3830,7 @@
           <a:p>
             <a:fld id="{6A6E4237-9E27-40CF-A4D8-1330F92F21DA}" type="datetimeFigureOut">
               <a:rPr lang="en-US" smtClean="0"/>
-              <a:t>12/8/2021</a:t>
+              <a:t>12/9/2021</a:t>
             </a:fld>
             <a:endParaRPr lang="en-US"/>
           </a:p>
@@ -3725,7 +4118,7 @@
           <a:p>
             <a:fld id="{6A6E4237-9E27-40CF-A4D8-1330F92F21DA}" type="datetimeFigureOut">
               <a:rPr lang="en-US" smtClean="0"/>
-              <a:t>12/8/2021</a:t>
+              <a:t>12/9/2021</a:t>
             </a:fld>
             <a:endParaRPr lang="en-US"/>
           </a:p>
@@ -3966,7 +4359,7 @@
           <a:p>
             <a:fld id="{6A6E4237-9E27-40CF-A4D8-1330F92F21DA}" type="datetimeFigureOut">
               <a:rPr lang="en-US" smtClean="0"/>
-              <a:t>12/8/2021</a:t>
+              <a:t>12/9/2021</a:t>
             </a:fld>
             <a:endParaRPr lang="en-US"/>
           </a:p>
@@ -4665,6 +5058,100 @@
           <p:cNvPr id="2" name="Title 1">
             <a:extLst>
               <a:ext uri="{FF2B5EF4-FFF2-40B4-BE49-F238E27FC236}">
+                <a16:creationId xmlns:a16="http://schemas.microsoft.com/office/drawing/2014/main" id="{D28C84BD-E652-4CA4-BAD0-76CC75145D1E}"/>
+              </a:ext>
+            </a:extLst>
+          </p:cNvPr>
+          <p:cNvSpPr>
+            <a:spLocks noGrp="1"/>
+          </p:cNvSpPr>
+          <p:nvPr>
+            <p:ph type="title"/>
+          </p:nvPr>
+        </p:nvSpPr>
+        <p:spPr/>
+        <p:txBody>
+          <a:bodyPr/>
+          <a:lstStyle/>
+          <a:p>
+            <a:r>
+              <a:rPr lang="en-US" dirty="0"/>
+              <a:t>Across-host pi methods comparison</a:t>
+            </a:r>
+          </a:p>
+        </p:txBody>
+      </p:sp>
+      <p:pic>
+        <p:nvPicPr>
+          <p:cNvPr id="5" name="Picture 4" descr="Chart, scatter chart&#10;&#10;Description automatically generated">
+            <a:extLst>
+              <a:ext uri="{FF2B5EF4-FFF2-40B4-BE49-F238E27FC236}">
+                <a16:creationId xmlns:a16="http://schemas.microsoft.com/office/drawing/2014/main" id="{D1B96AB9-7DF7-4054-948E-DCD8220BCF0B}"/>
+              </a:ext>
+            </a:extLst>
+          </p:cNvPr>
+          <p:cNvPicPr>
+            <a:picLocks noChangeAspect="1"/>
+          </p:cNvPicPr>
+          <p:nvPr/>
+        </p:nvPicPr>
+        <p:blipFill>
+          <a:blip r:embed="rId3">
+            <a:extLst>
+              <a:ext uri="{28A0092B-C50C-407E-A947-70E740481C1C}">
+                <a14:useLocalDpi xmlns:a14="http://schemas.microsoft.com/office/drawing/2010/main" val="0"/>
+              </a:ext>
+            </a:extLst>
+          </a:blip>
+          <a:stretch>
+            <a:fillRect/>
+          </a:stretch>
+        </p:blipFill>
+        <p:spPr>
+          <a:xfrm>
+            <a:off x="1466850" y="1595181"/>
+            <a:ext cx="7539443" cy="4750713"/>
+          </a:xfrm>
+          <a:prstGeom prst="rect">
+            <a:avLst/>
+          </a:prstGeom>
+        </p:spPr>
+      </p:pic>
+    </p:spTree>
+    <p:extLst>
+      <p:ext uri="{BB962C8B-B14F-4D97-AF65-F5344CB8AC3E}">
+        <p14:creationId xmlns:p14="http://schemas.microsoft.com/office/powerpoint/2010/main" val="1286076263"/>
+      </p:ext>
+    </p:extLst>
+  </p:cSld>
+  <p:clrMapOvr>
+    <a:masterClrMapping/>
+  </p:clrMapOvr>
+</p:sld>
+</file>
+
+<file path=ppt/slides/slide12.xml><?xml version="1.0" encoding="utf-8"?>
+<p:sld xmlns:a="http://schemas.openxmlformats.org/drawingml/2006/main" xmlns:r="http://schemas.openxmlformats.org/officeDocument/2006/relationships" xmlns:p="http://schemas.openxmlformats.org/presentationml/2006/main">
+  <p:cSld>
+    <p:spTree>
+      <p:nvGrpSpPr>
+        <p:cNvPr id="1" name=""/>
+        <p:cNvGrpSpPr/>
+        <p:nvPr/>
+      </p:nvGrpSpPr>
+      <p:grpSpPr>
+        <a:xfrm>
+          <a:off x="0" y="0"/>
+          <a:ext cx="0" cy="0"/>
+          <a:chOff x="0" y="0"/>
+          <a:chExt cx="0" cy="0"/>
+        </a:xfrm>
+      </p:grpSpPr>
+      <p:sp>
+        <p:nvSpPr>
+          <p:cNvPr id="2" name="Title 1">
+            <a:extLst>
+              <a:ext uri="{FF2B5EF4-FFF2-40B4-BE49-F238E27FC236}">
                 <a16:creationId xmlns:a16="http://schemas.microsoft.com/office/drawing/2014/main" id="{F8D19FA0-849A-495A-B374-D330821CC5C6}"/>
               </a:ext>
             </a:extLst>
@@ -4793,7 +5280,7 @@
 </p:sld>
 </file>
 
-<file path=ppt/slides/slide12.xml><?xml version="1.0" encoding="utf-8"?>
+<file path=ppt/slides/slide13.xml><?xml version="1.0" encoding="utf-8"?>
 <p:sld xmlns:a="http://schemas.openxmlformats.org/drawingml/2006/main" xmlns:r="http://schemas.openxmlformats.org/officeDocument/2006/relationships" xmlns:p="http://schemas.openxmlformats.org/presentationml/2006/main">
   <p:cSld>
     <p:spTree>
@@ -5357,13 +5844,13 @@
           <a:p>
             <a:r>
               <a:rPr lang="en-US" dirty="0" err="1">
-                <a:hlinkClick r:id="rId2"/>
+                <a:hlinkClick r:id="rId3"/>
               </a:rPr>
               <a:t>Raymann</a:t>
             </a:r>
             <a:r>
               <a:rPr lang="en-US" dirty="0">
-                <a:hlinkClick r:id="rId2"/>
+                <a:hlinkClick r:id="rId3"/>
               </a:rPr>
               <a:t> et al., Mol. Ecol. 2017</a:t>
             </a:r>
@@ -5386,7 +5873,7 @@
           <p:nvPr/>
         </p:nvPicPr>
         <p:blipFill>
-          <a:blip r:embed="rId3">
+          <a:blip r:embed="rId4">
             <a:extLst>
               <a:ext uri="{28A0092B-C50C-407E-A947-70E740481C1C}">
                 <a14:useLocalDpi xmlns:a14="http://schemas.microsoft.com/office/drawing/2010/main" val="0"/>
@@ -5930,7 +6417,7 @@
         </p:nvSpPr>
         <p:spPr>
           <a:xfrm>
-            <a:off x="8610599" y="1420238"/>
+            <a:off x="8558367" y="1463040"/>
             <a:ext cx="2795433" cy="1477328"/>
           </a:xfrm>
           <a:prstGeom prst="rect">
@@ -5966,7 +6453,7 @@
           <p:nvPr/>
         </p:nvPicPr>
         <p:blipFill>
-          <a:blip r:embed="rId2">
+          <a:blip r:embed="rId3">
             <a:extLst>
               <a:ext uri="{28A0092B-C50C-407E-A947-70E740481C1C}">
                 <a14:useLocalDpi xmlns:a14="http://schemas.microsoft.com/office/drawing/2010/main" val="0"/>
@@ -5987,6 +6474,65 @@
           </a:prstGeom>
         </p:spPr>
       </p:pic>
+      <p:sp>
+        <p:nvSpPr>
+          <p:cNvPr id="5" name="TextBox 4">
+            <a:extLst>
+              <a:ext uri="{FF2B5EF4-FFF2-40B4-BE49-F238E27FC236}">
+                <a16:creationId xmlns:a16="http://schemas.microsoft.com/office/drawing/2014/main" id="{F63CF860-7245-4BDA-BD26-771584D3F86E}"/>
+              </a:ext>
+            </a:extLst>
+          </p:cNvPr>
+          <p:cNvSpPr txBox="1"/>
+          <p:nvPr/>
+        </p:nvSpPr>
+        <p:spPr>
+          <a:xfrm>
+            <a:off x="8614266" y="3357676"/>
+            <a:ext cx="2795433" cy="2031325"/>
+          </a:xfrm>
+          <a:prstGeom prst="rect">
+            <a:avLst/>
+          </a:prstGeom>
+          <a:noFill/>
+        </p:spPr>
+        <p:txBody>
+          <a:bodyPr wrap="square" rtlCol="0">
+            <a:spAutoFit/>
+          </a:bodyPr>
+          <a:lstStyle/>
+          <a:p>
+            <a:pPr marL="285750" indent="-285750">
+              <a:buFont typeface="Arial" panose="020B0604020202020204" pitchFamily="34" charset="0"/>
+              <a:buChar char="•"/>
+            </a:pPr>
+            <a:r>
+              <a:rPr lang="en-US" dirty="0"/>
+              <a:t>Add paired t test for each species in either cohort</a:t>
+            </a:r>
+          </a:p>
+          <a:p>
+            <a:pPr marL="285750" indent="-285750">
+              <a:buFont typeface="Arial" panose="020B0604020202020204" pitchFamily="34" charset="0"/>
+              <a:buChar char="•"/>
+            </a:pPr>
+            <a:r>
+              <a:rPr lang="en-US" dirty="0"/>
+              <a:t>Clean up plot, e.g., larger dot?</a:t>
+            </a:r>
+          </a:p>
+          <a:p>
+            <a:pPr marL="285750" indent="-285750">
+              <a:buFont typeface="Arial" panose="020B0604020202020204" pitchFamily="34" charset="0"/>
+              <a:buChar char="•"/>
+            </a:pPr>
+            <a:r>
+              <a:rPr lang="en-US" dirty="0"/>
+              <a:t>Docs for aggregate across-host pi method</a:t>
+            </a:r>
+          </a:p>
+        </p:txBody>
+      </p:sp>
     </p:spTree>
     <p:extLst>
       <p:ext uri="{BB962C8B-B14F-4D97-AF65-F5344CB8AC3E}">
